--- a/Briefings/Briefing11.pptx
+++ b/Briefings/Briefing11.pptx
@@ -7,8 +7,10 @@
   <p:sldIdLst>
     <p:sldId id="256" r:id="rId2"/>
     <p:sldId id="258" r:id="rId3"/>
-    <p:sldId id="259" r:id="rId4"/>
-    <p:sldId id="257" r:id="rId5"/>
+    <p:sldId id="260" r:id="rId4"/>
+    <p:sldId id="261" r:id="rId5"/>
+    <p:sldId id="259" r:id="rId6"/>
+    <p:sldId id="257" r:id="rId7"/>
   </p:sldIdLst>
   <p:sldSz cx="9144000" cy="6858000" type="screen4x3"/>
   <p:notesSz cx="6858000" cy="9144000"/>
@@ -318,7 +320,7 @@
             <a:fld id="{542ED6D8-967B-4FDD-8539-23116DD8CE38}" type="datetimeFigureOut">
               <a:rPr lang="en-US" smtClean="0"/>
               <a:pPr/>
-              <a:t>3/1/2015</a:t>
+              <a:t>3/2/2015</a:t>
             </a:fld>
             <a:endParaRPr lang="en-US"/>
           </a:p>
@@ -514,7 +516,7 @@
             <a:fld id="{542ED6D8-967B-4FDD-8539-23116DD8CE38}" type="datetimeFigureOut">
               <a:rPr lang="en-US" smtClean="0"/>
               <a:pPr/>
-              <a:t>3/1/2015</a:t>
+              <a:t>3/2/2015</a:t>
             </a:fld>
             <a:endParaRPr lang="en-US"/>
           </a:p>
@@ -704,7 +706,7 @@
             <a:fld id="{542ED6D8-967B-4FDD-8539-23116DD8CE38}" type="datetimeFigureOut">
               <a:rPr lang="en-US" smtClean="0"/>
               <a:pPr/>
-              <a:t>3/1/2015</a:t>
+              <a:t>3/2/2015</a:t>
             </a:fld>
             <a:endParaRPr lang="en-US"/>
           </a:p>
@@ -935,7 +937,7 @@
             <a:fld id="{542ED6D8-967B-4FDD-8539-23116DD8CE38}" type="datetimeFigureOut">
               <a:rPr lang="en-US" smtClean="0"/>
               <a:pPr/>
-              <a:t>3/1/2015</a:t>
+              <a:t>3/2/2015</a:t>
             </a:fld>
             <a:endParaRPr lang="en-US"/>
           </a:p>
@@ -1218,7 +1220,7 @@
             <a:fld id="{542ED6D8-967B-4FDD-8539-23116DD8CE38}" type="datetimeFigureOut">
               <a:rPr lang="en-US" smtClean="0"/>
               <a:pPr/>
-              <a:t>3/1/2015</a:t>
+              <a:t>3/2/2015</a:t>
             </a:fld>
             <a:endParaRPr lang="en-US"/>
           </a:p>
@@ -1508,7 +1510,7 @@
             <a:fld id="{542ED6D8-967B-4FDD-8539-23116DD8CE38}" type="datetimeFigureOut">
               <a:rPr lang="en-US" smtClean="0"/>
               <a:pPr/>
-              <a:t>3/1/2015</a:t>
+              <a:t>3/2/2015</a:t>
             </a:fld>
             <a:endParaRPr lang="en-US"/>
           </a:p>
@@ -2064,7 +2066,7 @@
             <a:fld id="{542ED6D8-967B-4FDD-8539-23116DD8CE38}" type="datetimeFigureOut">
               <a:rPr lang="en-US" smtClean="0"/>
               <a:pPr/>
-              <a:t>3/1/2015</a:t>
+              <a:t>3/2/2015</a:t>
             </a:fld>
             <a:endParaRPr lang="en-US"/>
           </a:p>
@@ -2197,7 +2199,7 @@
             <a:fld id="{542ED6D8-967B-4FDD-8539-23116DD8CE38}" type="datetimeFigureOut">
               <a:rPr lang="en-US" smtClean="0"/>
               <a:pPr/>
-              <a:t>3/1/2015</a:t>
+              <a:t>3/2/2015</a:t>
             </a:fld>
             <a:endParaRPr lang="en-US"/>
           </a:p>
@@ -2349,7 +2351,7 @@
             <a:fld id="{542ED6D8-967B-4FDD-8539-23116DD8CE38}" type="datetimeFigureOut">
               <a:rPr lang="en-US" smtClean="0"/>
               <a:pPr/>
-              <a:t>3/1/2015</a:t>
+              <a:t>3/2/2015</a:t>
             </a:fld>
             <a:endParaRPr lang="en-US"/>
           </a:p>
@@ -2672,7 +2674,7 @@
             <a:fld id="{542ED6D8-967B-4FDD-8539-23116DD8CE38}" type="datetimeFigureOut">
               <a:rPr lang="en-US" smtClean="0"/>
               <a:pPr/>
-              <a:t>3/1/2015</a:t>
+              <a:t>3/2/2015</a:t>
             </a:fld>
             <a:endParaRPr lang="en-US"/>
           </a:p>
@@ -2971,7 +2973,7 @@
             <a:fld id="{542ED6D8-967B-4FDD-8539-23116DD8CE38}" type="datetimeFigureOut">
               <a:rPr lang="en-US" smtClean="0"/>
               <a:pPr/>
-              <a:t>3/1/2015</a:t>
+              <a:t>3/2/2015</a:t>
             </a:fld>
             <a:endParaRPr lang="en-US"/>
           </a:p>
@@ -3218,7 +3220,7 @@
             <a:fld id="{542ED6D8-967B-4FDD-8539-23116DD8CE38}" type="datetimeFigureOut">
               <a:rPr lang="en-US" smtClean="0"/>
               <a:pPr/>
-              <a:t>3/1/2015</a:t>
+              <a:t>3/2/2015</a:t>
             </a:fld>
             <a:endParaRPr lang="en-US"/>
           </a:p>
@@ -3949,6 +3951,46 @@
       </p:grpSpPr>
       <p:sp>
         <p:nvSpPr>
+          <p:cNvPr id="5" name="Rectangle 4"/>
+          <p:cNvSpPr/>
+          <p:nvPr/>
+        </p:nvSpPr>
+        <p:spPr>
+          <a:xfrm>
+            <a:off x="3619500" y="3581400"/>
+            <a:ext cx="1905000" cy="2743200"/>
+          </a:xfrm>
+          <a:prstGeom prst="rect">
+            <a:avLst/>
+          </a:prstGeom>
+        </p:spPr>
+        <p:style>
+          <a:lnRef idx="2">
+            <a:schemeClr val="accent3">
+              <a:shade val="50000"/>
+            </a:schemeClr>
+          </a:lnRef>
+          <a:fillRef idx="1">
+            <a:schemeClr val="accent3"/>
+          </a:fillRef>
+          <a:effectRef idx="0">
+            <a:schemeClr val="accent3"/>
+          </a:effectRef>
+          <a:fontRef idx="minor">
+            <a:schemeClr val="lt1"/>
+          </a:fontRef>
+        </p:style>
+        <p:txBody>
+          <a:bodyPr rtlCol="0" anchor="ctr"/>
+          <a:lstStyle/>
+          <a:p>
+            <a:pPr algn="ctr"/>
+            <a:endParaRPr lang="en-US"/>
+          </a:p>
+        </p:txBody>
+      </p:sp>
+      <p:sp>
+        <p:nvSpPr>
           <p:cNvPr id="2" name="Title 1"/>
           <p:cNvSpPr>
             <a:spLocks noGrp="1"/>
@@ -3965,7 +4007,15 @@
             <a:pPr algn="ctr"/>
             <a:r>
               <a:rPr lang="en-US" dirty="0" smtClean="0"/>
-              <a:t>Fixes Applied</a:t>
+              <a:t>Conflicts </a:t>
+            </a:r>
+            <a:r>
+              <a:rPr lang="en-US" dirty="0" smtClean="0"/>
+              <a:t>W</a:t>
+            </a:r>
+            <a:r>
+              <a:rPr lang="en-US" dirty="0" smtClean="0"/>
+              <a:t>ith Team 4</a:t>
             </a:r>
             <a:endParaRPr lang="en-US" dirty="0"/>
           </a:p>
@@ -3988,30 +4038,49 @@
           <a:p>
             <a:r>
               <a:rPr lang="en-US" dirty="0" smtClean="0"/>
-              <a:t>Delete Button</a:t>
-            </a:r>
-          </a:p>
-          <a:p>
-            <a:pPr lvl="1"/>
+              <a:t>Only accepting 1 zip code/angler type per party (Outgoing JSON)</a:t>
+            </a:r>
+          </a:p>
+          <a:p>
             <a:r>
               <a:rPr lang="en-US" dirty="0" smtClean="0"/>
-              <a:t>Add Fish enabled after deleting the last fish</a:t>
-            </a:r>
-          </a:p>
-          <a:p>
-            <a:pPr lvl="1"/>
-            <a:r>
-              <a:rPr lang="en-US" dirty="0" smtClean="0"/>
-              <a:t>Buttons enabled based on fish </a:t>
-            </a:r>
-            <a:r>
-              <a:rPr lang="en-US" smtClean="0"/>
-              <a:t>on screen</a:t>
-            </a:r>
-            <a:endParaRPr lang="en-US"/>
-          </a:p>
-        </p:txBody>
-      </p:sp>
+              <a:t>Creel Clerk Initials (Incoming JSON)</a:t>
+            </a:r>
+          </a:p>
+          <a:p>
+            <a:pPr>
+              <a:buNone/>
+            </a:pPr>
+            <a:endParaRPr lang="en-US" dirty="0" smtClean="0"/>
+          </a:p>
+        </p:txBody>
+      </p:sp>
+      <p:pic>
+        <p:nvPicPr>
+          <p:cNvPr id="2050" name="Picture 2" descr="fish with umbrella by ossidiana - from the bad child's book of beasts http://www.gutenberg.org/etext/27175"/>
+          <p:cNvPicPr>
+            <a:picLocks noChangeAspect="1" noChangeArrowheads="1"/>
+          </p:cNvPicPr>
+          <p:nvPr/>
+        </p:nvPicPr>
+        <p:blipFill>
+          <a:blip r:embed="rId2" cstate="print"/>
+          <a:srcRect/>
+          <a:stretch>
+            <a:fillRect/>
+          </a:stretch>
+        </p:blipFill>
+        <p:spPr bwMode="auto">
+          <a:xfrm>
+            <a:off x="3619500" y="3581400"/>
+            <a:ext cx="1905000" cy="2725351"/>
+          </a:xfrm>
+          <a:prstGeom prst="rect">
+            <a:avLst/>
+          </a:prstGeom>
+          <a:noFill/>
+        </p:spPr>
+      </p:pic>
     </p:spTree>
   </p:cSld>
   <p:clrMapOvr>
@@ -4039,6 +4108,226 @@
       </p:grpSpPr>
       <p:sp>
         <p:nvSpPr>
+          <p:cNvPr id="2" name="Title 1"/>
+          <p:cNvSpPr>
+            <a:spLocks noGrp="1"/>
+          </p:cNvSpPr>
+          <p:nvPr>
+            <p:ph type="title"/>
+          </p:nvPr>
+        </p:nvSpPr>
+        <p:spPr/>
+        <p:txBody>
+          <a:bodyPr/>
+          <a:lstStyle/>
+          <a:p>
+            <a:pPr algn="ctr"/>
+            <a:r>
+              <a:rPr lang="en-US" dirty="0" smtClean="0"/>
+              <a:t>Realistic Outlook</a:t>
+            </a:r>
+            <a:endParaRPr lang="en-US" dirty="0"/>
+          </a:p>
+        </p:txBody>
+      </p:sp>
+      <p:sp>
+        <p:nvSpPr>
+          <p:cNvPr id="3" name="Content Placeholder 2"/>
+          <p:cNvSpPr>
+            <a:spLocks noGrp="1"/>
+          </p:cNvSpPr>
+          <p:nvPr>
+            <p:ph idx="1"/>
+          </p:nvPr>
+        </p:nvSpPr>
+        <p:spPr/>
+        <p:txBody>
+          <a:bodyPr/>
+          <a:lstStyle/>
+          <a:p>
+            <a:r>
+              <a:rPr lang="en-US" dirty="0" smtClean="0"/>
+              <a:t>We’re not going to have time to do CSV output due to changes that need to be made to the UI, underlying objects, and the JSON</a:t>
+            </a:r>
+            <a:endParaRPr lang="en-US" dirty="0"/>
+          </a:p>
+        </p:txBody>
+      </p:sp>
+      <p:pic>
+        <p:nvPicPr>
+          <p:cNvPr id="1026" name="Picture 2" descr="fish sheleton by yves_guillou - Black-and-white skeleton of a fish."/>
+          <p:cNvPicPr>
+            <a:picLocks noChangeAspect="1" noChangeArrowheads="1"/>
+          </p:cNvPicPr>
+          <p:nvPr/>
+        </p:nvPicPr>
+        <p:blipFill>
+          <a:blip r:embed="rId2" cstate="print"/>
+          <a:srcRect/>
+          <a:stretch>
+            <a:fillRect/>
+          </a:stretch>
+        </p:blipFill>
+        <p:spPr bwMode="auto">
+          <a:xfrm>
+            <a:off x="3048000" y="4267200"/>
+            <a:ext cx="3048000" cy="2324100"/>
+          </a:xfrm>
+          <a:prstGeom prst="rect">
+            <a:avLst/>
+          </a:prstGeom>
+          <a:noFill/>
+        </p:spPr>
+      </p:pic>
+    </p:spTree>
+  </p:cSld>
+  <p:clrMapOvr>
+    <a:masterClrMapping/>
+  </p:clrMapOvr>
+</p:sld>
+</file>
+
+<file path=ppt/slides/slide5.xml><?xml version="1.0" encoding="utf-8"?>
+<p:sld xmlns:a="http://schemas.openxmlformats.org/drawingml/2006/main" xmlns:r="http://schemas.openxmlformats.org/officeDocument/2006/relationships" xmlns:p="http://schemas.openxmlformats.org/presentationml/2006/main">
+  <p:cSld>
+    <p:spTree>
+      <p:nvGrpSpPr>
+        <p:cNvPr id="1" name=""/>
+        <p:cNvGrpSpPr/>
+        <p:nvPr/>
+      </p:nvGrpSpPr>
+      <p:grpSpPr>
+        <a:xfrm>
+          <a:off x="0" y="0"/>
+          <a:ext cx="0" cy="0"/>
+          <a:chOff x="0" y="0"/>
+          <a:chExt cx="0" cy="0"/>
+        </a:xfrm>
+      </p:grpSpPr>
+      <p:sp>
+        <p:nvSpPr>
+          <p:cNvPr id="2" name="Title 1"/>
+          <p:cNvSpPr>
+            <a:spLocks noGrp="1"/>
+          </p:cNvSpPr>
+          <p:nvPr>
+            <p:ph type="title"/>
+          </p:nvPr>
+        </p:nvSpPr>
+        <p:spPr/>
+        <p:txBody>
+          <a:bodyPr/>
+          <a:lstStyle/>
+          <a:p>
+            <a:pPr algn="ctr"/>
+            <a:r>
+              <a:rPr lang="en-US" dirty="0" smtClean="0"/>
+              <a:t>Fixes Applied</a:t>
+            </a:r>
+            <a:endParaRPr lang="en-US" dirty="0"/>
+          </a:p>
+        </p:txBody>
+      </p:sp>
+      <p:sp>
+        <p:nvSpPr>
+          <p:cNvPr id="3" name="Content Placeholder 2"/>
+          <p:cNvSpPr>
+            <a:spLocks noGrp="1"/>
+          </p:cNvSpPr>
+          <p:nvPr>
+            <p:ph idx="1"/>
+          </p:nvPr>
+        </p:nvSpPr>
+        <p:spPr/>
+        <p:txBody>
+          <a:bodyPr/>
+          <a:lstStyle/>
+          <a:p>
+            <a:r>
+              <a:rPr lang="en-US" dirty="0" smtClean="0"/>
+              <a:t>Delete Button</a:t>
+            </a:r>
+          </a:p>
+          <a:p>
+            <a:pPr lvl="1"/>
+            <a:r>
+              <a:rPr lang="en-US" dirty="0" smtClean="0"/>
+              <a:t>Add Fish enabled after deleting the last fish</a:t>
+            </a:r>
+          </a:p>
+          <a:p>
+            <a:pPr lvl="1"/>
+            <a:r>
+              <a:rPr lang="en-US" dirty="0" smtClean="0"/>
+              <a:t>Buttons enabled based on fish on </a:t>
+            </a:r>
+            <a:r>
+              <a:rPr lang="en-US" dirty="0" smtClean="0"/>
+              <a:t>screen</a:t>
+            </a:r>
+          </a:p>
+          <a:p>
+            <a:r>
+              <a:rPr lang="en-US" dirty="0" smtClean="0"/>
+              <a:t>Exit Menu Option enabled appropriately</a:t>
+            </a:r>
+            <a:endParaRPr lang="en-US" dirty="0"/>
+          </a:p>
+        </p:txBody>
+      </p:sp>
+      <p:pic>
+        <p:nvPicPr>
+          <p:cNvPr id="4098" name="Picture 2" descr="Ordinary fish by mlampret - Blue fish with big eyes"/>
+          <p:cNvPicPr>
+            <a:picLocks noChangeAspect="1" noChangeArrowheads="1"/>
+          </p:cNvPicPr>
+          <p:nvPr/>
+        </p:nvPicPr>
+        <p:blipFill>
+          <a:blip r:embed="rId2" cstate="print"/>
+          <a:srcRect/>
+          <a:stretch>
+            <a:fillRect/>
+          </a:stretch>
+        </p:blipFill>
+        <p:spPr bwMode="auto">
+          <a:xfrm>
+            <a:off x="2057400" y="4343400"/>
+            <a:ext cx="5029200" cy="2010371"/>
+          </a:xfrm>
+          <a:prstGeom prst="rect">
+            <a:avLst/>
+          </a:prstGeom>
+          <a:noFill/>
+        </p:spPr>
+      </p:pic>
+    </p:spTree>
+  </p:cSld>
+  <p:clrMapOvr>
+    <a:masterClrMapping/>
+  </p:clrMapOvr>
+</p:sld>
+</file>
+
+<file path=ppt/slides/slide6.xml><?xml version="1.0" encoding="utf-8"?>
+<p:sld xmlns:a="http://schemas.openxmlformats.org/drawingml/2006/main" xmlns:r="http://schemas.openxmlformats.org/officeDocument/2006/relationships" xmlns:p="http://schemas.openxmlformats.org/presentationml/2006/main">
+  <p:cSld>
+    <p:spTree>
+      <p:nvGrpSpPr>
+        <p:cNvPr id="1" name=""/>
+        <p:cNvGrpSpPr/>
+        <p:nvPr/>
+      </p:nvGrpSpPr>
+      <p:grpSpPr>
+        <a:xfrm>
+          <a:off x="0" y="0"/>
+          <a:ext cx="0" cy="0"/>
+          <a:chOff x="0" y="0"/>
+          <a:chExt cx="0" cy="0"/>
+        </a:xfrm>
+      </p:grpSpPr>
+      <p:sp>
+        <p:nvSpPr>
           <p:cNvPr id="5" name="Rectangle 4"/>
           <p:cNvSpPr/>
           <p:nvPr/>
@@ -4128,17 +4417,17 @@
               <a:rPr lang="en-US" dirty="0" smtClean="0"/>
               <a:t>Testing the UI and fixing any problems</a:t>
             </a:r>
+          </a:p>
+          <a:p>
+            <a:r>
+              <a:rPr lang="en-US" dirty="0" smtClean="0"/>
+              <a:t>Continue work on the </a:t>
+            </a:r>
+            <a:r>
+              <a:rPr lang="en-US" dirty="0" smtClean="0"/>
+              <a:t>input/output JSON</a:t>
+            </a:r>
             <a:endParaRPr lang="en-US" dirty="0" smtClean="0"/>
-          </a:p>
-          <a:p>
-            <a:r>
-              <a:rPr lang="en-US" dirty="0" smtClean="0"/>
-              <a:t>Continue work on the output </a:t>
-            </a:r>
-            <a:r>
-              <a:rPr lang="en-US" dirty="0" smtClean="0"/>
-              <a:t>JSON/CSV</a:t>
-            </a:r>
           </a:p>
           <a:p>
             <a:r>

--- a/Briefings/Briefing11.pptx
+++ b/Briefings/Briefing11.pptx
@@ -9,8 +9,10 @@
     <p:sldId id="258" r:id="rId3"/>
     <p:sldId id="260" r:id="rId4"/>
     <p:sldId id="261" r:id="rId5"/>
-    <p:sldId id="259" r:id="rId6"/>
-    <p:sldId id="257" r:id="rId7"/>
+    <p:sldId id="262" r:id="rId6"/>
+    <p:sldId id="259" r:id="rId7"/>
+    <p:sldId id="263" r:id="rId8"/>
+    <p:sldId id="257" r:id="rId9"/>
   </p:sldIdLst>
   <p:sldSz cx="9144000" cy="6858000" type="screen4x3"/>
   <p:notesSz cx="6858000" cy="9144000"/>
@@ -320,7 +322,7 @@
             <a:fld id="{542ED6D8-967B-4FDD-8539-23116DD8CE38}" type="datetimeFigureOut">
               <a:rPr lang="en-US" smtClean="0"/>
               <a:pPr/>
-              <a:t>3/2/2015</a:t>
+              <a:t>3/3/2015</a:t>
             </a:fld>
             <a:endParaRPr lang="en-US"/>
           </a:p>
@@ -516,7 +518,7 @@
             <a:fld id="{542ED6D8-967B-4FDD-8539-23116DD8CE38}" type="datetimeFigureOut">
               <a:rPr lang="en-US" smtClean="0"/>
               <a:pPr/>
-              <a:t>3/2/2015</a:t>
+              <a:t>3/3/2015</a:t>
             </a:fld>
             <a:endParaRPr lang="en-US"/>
           </a:p>
@@ -706,7 +708,7 @@
             <a:fld id="{542ED6D8-967B-4FDD-8539-23116DD8CE38}" type="datetimeFigureOut">
               <a:rPr lang="en-US" smtClean="0"/>
               <a:pPr/>
-              <a:t>3/2/2015</a:t>
+              <a:t>3/3/2015</a:t>
             </a:fld>
             <a:endParaRPr lang="en-US"/>
           </a:p>
@@ -937,7 +939,7 @@
             <a:fld id="{542ED6D8-967B-4FDD-8539-23116DD8CE38}" type="datetimeFigureOut">
               <a:rPr lang="en-US" smtClean="0"/>
               <a:pPr/>
-              <a:t>3/2/2015</a:t>
+              <a:t>3/3/2015</a:t>
             </a:fld>
             <a:endParaRPr lang="en-US"/>
           </a:p>
@@ -1220,7 +1222,7 @@
             <a:fld id="{542ED6D8-967B-4FDD-8539-23116DD8CE38}" type="datetimeFigureOut">
               <a:rPr lang="en-US" smtClean="0"/>
               <a:pPr/>
-              <a:t>3/2/2015</a:t>
+              <a:t>3/3/2015</a:t>
             </a:fld>
             <a:endParaRPr lang="en-US"/>
           </a:p>
@@ -1510,7 +1512,7 @@
             <a:fld id="{542ED6D8-967B-4FDD-8539-23116DD8CE38}" type="datetimeFigureOut">
               <a:rPr lang="en-US" smtClean="0"/>
               <a:pPr/>
-              <a:t>3/2/2015</a:t>
+              <a:t>3/3/2015</a:t>
             </a:fld>
             <a:endParaRPr lang="en-US"/>
           </a:p>
@@ -2066,7 +2068,7 @@
             <a:fld id="{542ED6D8-967B-4FDD-8539-23116DD8CE38}" type="datetimeFigureOut">
               <a:rPr lang="en-US" smtClean="0"/>
               <a:pPr/>
-              <a:t>3/2/2015</a:t>
+              <a:t>3/3/2015</a:t>
             </a:fld>
             <a:endParaRPr lang="en-US"/>
           </a:p>
@@ -2199,7 +2201,7 @@
             <a:fld id="{542ED6D8-967B-4FDD-8539-23116DD8CE38}" type="datetimeFigureOut">
               <a:rPr lang="en-US" smtClean="0"/>
               <a:pPr/>
-              <a:t>3/2/2015</a:t>
+              <a:t>3/3/2015</a:t>
             </a:fld>
             <a:endParaRPr lang="en-US"/>
           </a:p>
@@ -2351,7 +2353,7 @@
             <a:fld id="{542ED6D8-967B-4FDD-8539-23116DD8CE38}" type="datetimeFigureOut">
               <a:rPr lang="en-US" smtClean="0"/>
               <a:pPr/>
-              <a:t>3/2/2015</a:t>
+              <a:t>3/3/2015</a:t>
             </a:fld>
             <a:endParaRPr lang="en-US"/>
           </a:p>
@@ -2674,7 +2676,7 @@
             <a:fld id="{542ED6D8-967B-4FDD-8539-23116DD8CE38}" type="datetimeFigureOut">
               <a:rPr lang="en-US" smtClean="0"/>
               <a:pPr/>
-              <a:t>3/2/2015</a:t>
+              <a:t>3/3/2015</a:t>
             </a:fld>
             <a:endParaRPr lang="en-US"/>
           </a:p>
@@ -2973,7 +2975,7 @@
             <a:fld id="{542ED6D8-967B-4FDD-8539-23116DD8CE38}" type="datetimeFigureOut">
               <a:rPr lang="en-US" smtClean="0"/>
               <a:pPr/>
-              <a:t>3/2/2015</a:t>
+              <a:t>3/3/2015</a:t>
             </a:fld>
             <a:endParaRPr lang="en-US"/>
           </a:p>
@@ -3220,7 +3222,7 @@
             <a:fld id="{542ED6D8-967B-4FDD-8539-23116DD8CE38}" type="datetimeFigureOut">
               <a:rPr lang="en-US" smtClean="0"/>
               <a:pPr/>
-              <a:t>3/2/2015</a:t>
+              <a:t>3/3/2015</a:t>
             </a:fld>
             <a:endParaRPr lang="en-US"/>
           </a:p>
@@ -4007,15 +4009,7 @@
             <a:pPr algn="ctr"/>
             <a:r>
               <a:rPr lang="en-US" dirty="0" smtClean="0"/>
-              <a:t>Conflicts </a:t>
-            </a:r>
-            <a:r>
-              <a:rPr lang="en-US" dirty="0" smtClean="0"/>
-              <a:t>W</a:t>
-            </a:r>
-            <a:r>
-              <a:rPr lang="en-US" dirty="0" smtClean="0"/>
-              <a:t>ith Team 4</a:t>
+              <a:t>Conflicts With Team 4</a:t>
             </a:r>
             <a:endParaRPr lang="en-US" dirty="0"/>
           </a:p>
@@ -4222,54 +4216,7 @@
             <a:pPr algn="ctr"/>
             <a:r>
               <a:rPr lang="en-US" dirty="0" smtClean="0"/>
-              <a:t>Fixes Applied</a:t>
-            </a:r>
-            <a:endParaRPr lang="en-US" dirty="0"/>
-          </a:p>
-        </p:txBody>
-      </p:sp>
-      <p:sp>
-        <p:nvSpPr>
-          <p:cNvPr id="3" name="Content Placeholder 2"/>
-          <p:cNvSpPr>
-            <a:spLocks noGrp="1"/>
-          </p:cNvSpPr>
-          <p:nvPr>
-            <p:ph idx="1"/>
-          </p:nvPr>
-        </p:nvSpPr>
-        <p:spPr/>
-        <p:txBody>
-          <a:bodyPr/>
-          <a:lstStyle/>
-          <a:p>
-            <a:r>
-              <a:rPr lang="en-US" dirty="0" smtClean="0"/>
-              <a:t>Delete Button</a:t>
-            </a:r>
-          </a:p>
-          <a:p>
-            <a:pPr lvl="1"/>
-            <a:r>
-              <a:rPr lang="en-US" dirty="0" smtClean="0"/>
-              <a:t>Add Fish enabled after deleting the last fish</a:t>
-            </a:r>
-          </a:p>
-          <a:p>
-            <a:pPr lvl="1"/>
-            <a:r>
-              <a:rPr lang="en-US" dirty="0" smtClean="0"/>
-              <a:t>Buttons enabled based on fish on </a:t>
-            </a:r>
-            <a:r>
-              <a:rPr lang="en-US" dirty="0" smtClean="0"/>
-              <a:t>screen</a:t>
-            </a:r>
-          </a:p>
-          <a:p>
-            <a:r>
-              <a:rPr lang="en-US" dirty="0" smtClean="0"/>
-              <a:t>Exit Menu Option enabled appropriately</a:t>
+              <a:t>UI Revision</a:t>
             </a:r>
             <a:endParaRPr lang="en-US" dirty="0"/>
           </a:p>
@@ -4277,28 +4224,25 @@
       </p:sp>
       <p:pic>
         <p:nvPicPr>
-          <p:cNvPr id="4098" name="Picture 2" descr="Ordinary fish by mlampret - Blue fish with big eyes"/>
+          <p:cNvPr id="4" name="Content Placeholder 3" descr="Screenshot (67).png"/>
           <p:cNvPicPr>
-            <a:picLocks noChangeAspect="1" noChangeArrowheads="1"/>
+            <a:picLocks noGrp="1" noChangeAspect="1"/>
           </p:cNvPicPr>
-          <p:nvPr/>
+          <p:nvPr>
+            <p:ph idx="1"/>
+          </p:nvPr>
         </p:nvPicPr>
         <p:blipFill>
           <a:blip r:embed="rId2" cstate="print"/>
-          <a:srcRect/>
           <a:stretch>
             <a:fillRect/>
           </a:stretch>
         </p:blipFill>
-        <p:spPr bwMode="auto">
-          <a:xfrm>
-            <a:off x="2057400" y="4343400"/>
-            <a:ext cx="5029200" cy="2010371"/>
-          </a:xfrm>
-          <a:prstGeom prst="rect">
-            <a:avLst/>
-          </a:prstGeom>
-          <a:noFill/>
+        <p:spPr>
+          <a:xfrm>
+            <a:off x="0" y="1447800"/>
+            <a:ext cx="9144000" cy="5410200"/>
+          </a:xfrm>
         </p:spPr>
       </p:pic>
     </p:spTree>
@@ -4328,6 +4272,196 @@
       </p:grpSpPr>
       <p:sp>
         <p:nvSpPr>
+          <p:cNvPr id="2" name="Title 1"/>
+          <p:cNvSpPr>
+            <a:spLocks noGrp="1"/>
+          </p:cNvSpPr>
+          <p:nvPr>
+            <p:ph type="title"/>
+          </p:nvPr>
+        </p:nvSpPr>
+        <p:spPr/>
+        <p:txBody>
+          <a:bodyPr/>
+          <a:lstStyle/>
+          <a:p>
+            <a:pPr algn="ctr"/>
+            <a:r>
+              <a:rPr lang="en-US" dirty="0" smtClean="0"/>
+              <a:t>Fixes Applied</a:t>
+            </a:r>
+            <a:endParaRPr lang="en-US" dirty="0"/>
+          </a:p>
+        </p:txBody>
+      </p:sp>
+      <p:sp>
+        <p:nvSpPr>
+          <p:cNvPr id="3" name="Content Placeholder 2"/>
+          <p:cNvSpPr>
+            <a:spLocks noGrp="1"/>
+          </p:cNvSpPr>
+          <p:nvPr>
+            <p:ph idx="1"/>
+          </p:nvPr>
+        </p:nvSpPr>
+        <p:spPr/>
+        <p:txBody>
+          <a:bodyPr/>
+          <a:lstStyle/>
+          <a:p>
+            <a:r>
+              <a:rPr lang="en-US" dirty="0" smtClean="0"/>
+              <a:t>Delete Button</a:t>
+            </a:r>
+          </a:p>
+          <a:p>
+            <a:pPr lvl="1"/>
+            <a:r>
+              <a:rPr lang="en-US" dirty="0" smtClean="0"/>
+              <a:t>Add Fish enabled after deleting the last fish</a:t>
+            </a:r>
+          </a:p>
+          <a:p>
+            <a:pPr lvl="1"/>
+            <a:r>
+              <a:rPr lang="en-US" dirty="0" smtClean="0"/>
+              <a:t>Buttons enabled based on fish on screen</a:t>
+            </a:r>
+          </a:p>
+          <a:p>
+            <a:r>
+              <a:rPr lang="en-US" dirty="0" smtClean="0"/>
+              <a:t>Exit Menu Option enabled appropriately</a:t>
+            </a:r>
+            <a:endParaRPr lang="en-US" dirty="0"/>
+          </a:p>
+        </p:txBody>
+      </p:sp>
+      <p:pic>
+        <p:nvPicPr>
+          <p:cNvPr id="4098" name="Picture 2" descr="Ordinary fish by mlampret - Blue fish with big eyes"/>
+          <p:cNvPicPr>
+            <a:picLocks noChangeAspect="1" noChangeArrowheads="1"/>
+          </p:cNvPicPr>
+          <p:nvPr/>
+        </p:nvPicPr>
+        <p:blipFill>
+          <a:blip r:embed="rId2" cstate="print"/>
+          <a:srcRect/>
+          <a:stretch>
+            <a:fillRect/>
+          </a:stretch>
+        </p:blipFill>
+        <p:spPr bwMode="auto">
+          <a:xfrm>
+            <a:off x="2057400" y="4343400"/>
+            <a:ext cx="5029200" cy="2010371"/>
+          </a:xfrm>
+          <a:prstGeom prst="rect">
+            <a:avLst/>
+          </a:prstGeom>
+          <a:noFill/>
+        </p:spPr>
+      </p:pic>
+    </p:spTree>
+  </p:cSld>
+  <p:clrMapOvr>
+    <a:masterClrMapping/>
+  </p:clrMapOvr>
+</p:sld>
+</file>
+
+<file path=ppt/slides/slide7.xml><?xml version="1.0" encoding="utf-8"?>
+<p:sld xmlns:a="http://schemas.openxmlformats.org/drawingml/2006/main" xmlns:r="http://schemas.openxmlformats.org/officeDocument/2006/relationships" xmlns:p="http://schemas.openxmlformats.org/presentationml/2006/main">
+  <p:cSld>
+    <p:spTree>
+      <p:nvGrpSpPr>
+        <p:cNvPr id="1" name=""/>
+        <p:cNvGrpSpPr/>
+        <p:nvPr/>
+      </p:nvGrpSpPr>
+      <p:grpSpPr>
+        <a:xfrm>
+          <a:off x="0" y="0"/>
+          <a:ext cx="0" cy="0"/>
+          <a:chOff x="0" y="0"/>
+          <a:chExt cx="0" cy="0"/>
+        </a:xfrm>
+      </p:grpSpPr>
+      <p:sp>
+        <p:nvSpPr>
+          <p:cNvPr id="2" name="Title 1"/>
+          <p:cNvSpPr>
+            <a:spLocks noGrp="1"/>
+          </p:cNvSpPr>
+          <p:nvPr>
+            <p:ph type="title"/>
+          </p:nvPr>
+        </p:nvSpPr>
+        <p:spPr/>
+        <p:txBody>
+          <a:bodyPr/>
+          <a:lstStyle/>
+          <a:p>
+            <a:pPr algn="ctr"/>
+            <a:r>
+              <a:rPr lang="en-US" dirty="0" smtClean="0"/>
+              <a:t>Loading Animation</a:t>
+            </a:r>
+            <a:endParaRPr lang="en-US" dirty="0"/>
+          </a:p>
+        </p:txBody>
+      </p:sp>
+      <p:pic>
+        <p:nvPicPr>
+          <p:cNvPr id="4" name="Content Placeholder 3" descr="Screenshot (68).png"/>
+          <p:cNvPicPr>
+            <a:picLocks noGrp="1" noChangeAspect="1"/>
+          </p:cNvPicPr>
+          <p:nvPr>
+            <p:ph idx="1"/>
+          </p:nvPr>
+        </p:nvPicPr>
+        <p:blipFill>
+          <a:blip r:embed="rId2" cstate="print"/>
+          <a:stretch>
+            <a:fillRect/>
+          </a:stretch>
+        </p:blipFill>
+        <p:spPr>
+          <a:xfrm>
+            <a:off x="0" y="1447800"/>
+            <a:ext cx="9144000" cy="5410200"/>
+          </a:xfrm>
+        </p:spPr>
+      </p:pic>
+    </p:spTree>
+  </p:cSld>
+  <p:clrMapOvr>
+    <a:masterClrMapping/>
+  </p:clrMapOvr>
+</p:sld>
+</file>
+
+<file path=ppt/slides/slide8.xml><?xml version="1.0" encoding="utf-8"?>
+<p:sld xmlns:a="http://schemas.openxmlformats.org/drawingml/2006/main" xmlns:r="http://schemas.openxmlformats.org/officeDocument/2006/relationships" xmlns:p="http://schemas.openxmlformats.org/presentationml/2006/main">
+  <p:cSld>
+    <p:spTree>
+      <p:nvGrpSpPr>
+        <p:cNvPr id="1" name=""/>
+        <p:cNvGrpSpPr/>
+        <p:nvPr/>
+      </p:nvGrpSpPr>
+      <p:grpSpPr>
+        <a:xfrm>
+          <a:off x="0" y="0"/>
+          <a:ext cx="0" cy="0"/>
+          <a:chOff x="0" y="0"/>
+          <a:chExt cx="0" cy="0"/>
+        </a:xfrm>
+      </p:grpSpPr>
+      <p:sp>
+        <p:nvSpPr>
           <p:cNvPr id="5" name="Rectangle 4"/>
           <p:cNvSpPr/>
           <p:nvPr/>
@@ -4421,13 +4555,8 @@
           <a:p>
             <a:r>
               <a:rPr lang="en-US" dirty="0" smtClean="0"/>
-              <a:t>Continue work on the </a:t>
-            </a:r>
-            <a:r>
-              <a:rPr lang="en-US" dirty="0" smtClean="0"/>
-              <a:t>input/output JSON</a:t>
-            </a:r>
-            <a:endParaRPr lang="en-US" dirty="0" smtClean="0"/>
+              <a:t>Continue work on the input/output JSON</a:t>
+            </a:r>
           </a:p>
           <a:p>
             <a:r>
